--- a/presentation/Mondrian-Multidimensional-K-Anonymity-main.pptx
+++ b/presentation/Mondrian-Multidimensional-K-Anonymity-main.pptx
@@ -5,7 +5,7 @@
     <p:sldMasterId id="2147483892" r:id="rId1"/>
   </p:sldMasterIdLst>
   <p:notesMasterIdLst>
-    <p:notesMasterId r:id="rId19"/>
+    <p:notesMasterId r:id="rId22"/>
   </p:notesMasterIdLst>
   <p:sldIdLst>
     <p:sldId id="256" r:id="rId2"/>
@@ -25,6 +25,9 @@
     <p:sldId id="259" r:id="rId16"/>
     <p:sldId id="271" r:id="rId17"/>
     <p:sldId id="272" r:id="rId18"/>
+    <p:sldId id="273" r:id="rId19"/>
+    <p:sldId id="274" r:id="rId20"/>
+    <p:sldId id="275" r:id="rId21"/>
   </p:sldIdLst>
   <p:sldSz cx="12192000" cy="6858000"/>
   <p:notesSz cx="6858000" cy="9144000"/>
@@ -213,7 +216,7 @@
           <a:p>
             <a:fld id="{E01171FB-B0AC-4988-B540-0839948E9DD1}" type="datetimeFigureOut">
               <a:rPr lang="en-US" smtClean="0"/>
-              <a:t>2/14/2024</a:t>
+              <a:t>2/19/2024</a:t>
             </a:fld>
             <a:endParaRPr lang="en-US"/>
           </a:p>
@@ -1004,7 +1007,7 @@
           <a:p>
             <a:fld id="{FE853FC4-389F-402E-AFA0-5AAD1674FA73}" type="datetimeFigureOut">
               <a:rPr lang="en-US" smtClean="0"/>
-              <a:t>2/14/2024</a:t>
+              <a:t>2/19/2024</a:t>
             </a:fld>
             <a:endParaRPr lang="en-US"/>
           </a:p>
@@ -1302,7 +1305,7 @@
           <a:p>
             <a:fld id="{FE853FC4-389F-402E-AFA0-5AAD1674FA73}" type="datetimeFigureOut">
               <a:rPr lang="en-US" smtClean="0"/>
-              <a:t>2/14/2024</a:t>
+              <a:t>2/19/2024</a:t>
             </a:fld>
             <a:endParaRPr lang="en-US"/>
           </a:p>
@@ -1494,7 +1497,7 @@
           <a:p>
             <a:fld id="{FE853FC4-389F-402E-AFA0-5AAD1674FA73}" type="datetimeFigureOut">
               <a:rPr lang="en-US" smtClean="0"/>
-              <a:t>2/14/2024</a:t>
+              <a:t>2/19/2024</a:t>
             </a:fld>
             <a:endParaRPr lang="en-US"/>
           </a:p>
@@ -1755,7 +1758,7 @@
           <a:p>
             <a:fld id="{FE853FC4-389F-402E-AFA0-5AAD1674FA73}" type="datetimeFigureOut">
               <a:rPr lang="en-US" smtClean="0"/>
-              <a:t>2/14/2024</a:t>
+              <a:t>2/19/2024</a:t>
             </a:fld>
             <a:endParaRPr lang="en-US"/>
           </a:p>
@@ -2179,7 +2182,7 @@
           <a:p>
             <a:fld id="{FE853FC4-389F-402E-AFA0-5AAD1674FA73}" type="datetimeFigureOut">
               <a:rPr lang="en-US" smtClean="0"/>
-              <a:t>2/14/2024</a:t>
+              <a:t>2/19/2024</a:t>
             </a:fld>
             <a:endParaRPr lang="en-US"/>
           </a:p>
@@ -2716,7 +2719,7 @@
           <a:p>
             <a:fld id="{FE853FC4-389F-402E-AFA0-5AAD1674FA73}" type="datetimeFigureOut">
               <a:rPr lang="en-US" smtClean="0"/>
-              <a:t>2/14/2024</a:t>
+              <a:t>2/19/2024</a:t>
             </a:fld>
             <a:endParaRPr lang="en-US"/>
           </a:p>
@@ -3580,7 +3583,7 @@
           <a:p>
             <a:fld id="{FE853FC4-389F-402E-AFA0-5AAD1674FA73}" type="datetimeFigureOut">
               <a:rPr lang="en-US" smtClean="0"/>
-              <a:t>2/14/2024</a:t>
+              <a:t>2/19/2024</a:t>
             </a:fld>
             <a:endParaRPr lang="en-US"/>
           </a:p>
@@ -3750,7 +3753,7 @@
           <a:p>
             <a:fld id="{FE853FC4-389F-402E-AFA0-5AAD1674FA73}" type="datetimeFigureOut">
               <a:rPr lang="en-US" smtClean="0"/>
-              <a:t>2/14/2024</a:t>
+              <a:t>2/19/2024</a:t>
             </a:fld>
             <a:endParaRPr lang="en-US"/>
           </a:p>
@@ -3934,7 +3937,7 @@
           <a:p>
             <a:fld id="{FE853FC4-389F-402E-AFA0-5AAD1674FA73}" type="datetimeFigureOut">
               <a:rPr lang="en-US" smtClean="0"/>
-              <a:t>2/14/2024</a:t>
+              <a:t>2/19/2024</a:t>
             </a:fld>
             <a:endParaRPr lang="en-US"/>
           </a:p>
@@ -4104,7 +4107,7 @@
           <a:p>
             <a:fld id="{FE853FC4-389F-402E-AFA0-5AAD1674FA73}" type="datetimeFigureOut">
               <a:rPr lang="en-US" smtClean="0"/>
-              <a:t>2/14/2024</a:t>
+              <a:t>2/19/2024</a:t>
             </a:fld>
             <a:endParaRPr lang="en-US"/>
           </a:p>
@@ -4348,7 +4351,7 @@
           <a:p>
             <a:fld id="{FE853FC4-389F-402E-AFA0-5AAD1674FA73}" type="datetimeFigureOut">
               <a:rPr lang="en-US" smtClean="0"/>
-              <a:t>2/14/2024</a:t>
+              <a:t>2/19/2024</a:t>
             </a:fld>
             <a:endParaRPr lang="en-US"/>
           </a:p>
@@ -4584,7 +4587,7 @@
           <a:p>
             <a:fld id="{FE853FC4-389F-402E-AFA0-5AAD1674FA73}" type="datetimeFigureOut">
               <a:rPr lang="en-US" smtClean="0"/>
-              <a:t>2/14/2024</a:t>
+              <a:t>2/19/2024</a:t>
             </a:fld>
             <a:endParaRPr lang="en-US"/>
           </a:p>
@@ -5050,7 +5053,7 @@
           <a:p>
             <a:fld id="{FE853FC4-389F-402E-AFA0-5AAD1674FA73}" type="datetimeFigureOut">
               <a:rPr lang="en-US" smtClean="0"/>
-              <a:t>2/14/2024</a:t>
+              <a:t>2/19/2024</a:t>
             </a:fld>
             <a:endParaRPr lang="en-US"/>
           </a:p>
@@ -5168,7 +5171,7 @@
           <a:p>
             <a:fld id="{FE853FC4-389F-402E-AFA0-5AAD1674FA73}" type="datetimeFigureOut">
               <a:rPr lang="en-US" smtClean="0"/>
-              <a:t>2/14/2024</a:t>
+              <a:t>2/19/2024</a:t>
             </a:fld>
             <a:endParaRPr lang="en-US"/>
           </a:p>
@@ -5263,7 +5266,7 @@
           <a:p>
             <a:fld id="{FE853FC4-389F-402E-AFA0-5AAD1674FA73}" type="datetimeFigureOut">
               <a:rPr lang="en-US" smtClean="0"/>
-              <a:t>2/14/2024</a:t>
+              <a:t>2/19/2024</a:t>
             </a:fld>
             <a:endParaRPr lang="en-US"/>
           </a:p>
@@ -5518,7 +5521,7 @@
           <a:p>
             <a:fld id="{FE853FC4-389F-402E-AFA0-5AAD1674FA73}" type="datetimeFigureOut">
               <a:rPr lang="en-US" smtClean="0"/>
-              <a:t>2/14/2024</a:t>
+              <a:t>2/19/2024</a:t>
             </a:fld>
             <a:endParaRPr lang="en-US"/>
           </a:p>
@@ -5818,7 +5821,7 @@
           <a:p>
             <a:fld id="{FE853FC4-389F-402E-AFA0-5AAD1674FA73}" type="datetimeFigureOut">
               <a:rPr lang="en-US" smtClean="0"/>
-              <a:t>2/14/2024</a:t>
+              <a:t>2/19/2024</a:t>
             </a:fld>
             <a:endParaRPr lang="en-US"/>
           </a:p>
@@ -6052,7 +6055,7 @@
           <a:p>
             <a:fld id="{FE853FC4-389F-402E-AFA0-5AAD1674FA73}" type="datetimeFigureOut">
               <a:rPr lang="en-US" smtClean="0"/>
-              <a:t>2/14/2024</a:t>
+              <a:t>2/19/2024</a:t>
             </a:fld>
             <a:endParaRPr lang="en-US"/>
           </a:p>
@@ -13739,6 +13742,949 @@
 </p:sld>
 </file>
 
+<file path=ppt/slides/slide18.xml><?xml version="1.0" encoding="utf-8"?>
+<p:sld xmlns:a="http://schemas.openxmlformats.org/drawingml/2006/main" xmlns:r="http://schemas.openxmlformats.org/officeDocument/2006/relationships" xmlns:p="http://schemas.openxmlformats.org/presentationml/2006/main">
+  <p:cSld>
+    <p:spTree>
+      <p:nvGrpSpPr>
+        <p:cNvPr id="1" name=""/>
+        <p:cNvGrpSpPr/>
+        <p:nvPr/>
+      </p:nvGrpSpPr>
+      <p:grpSpPr>
+        <a:xfrm>
+          <a:off x="0" y="0"/>
+          <a:ext cx="0" cy="0"/>
+          <a:chOff x="0" y="0"/>
+          <a:chExt cx="0" cy="0"/>
+        </a:xfrm>
+      </p:grpSpPr>
+      <p:sp>
+        <p:nvSpPr>
+          <p:cNvPr id="2" name="Title 1">
+            <a:extLst>
+              <a:ext uri="{FF2B5EF4-FFF2-40B4-BE49-F238E27FC236}">
+                <a16:creationId xmlns:a16="http://schemas.microsoft.com/office/drawing/2014/main" id="{2DE0BF36-FE94-41E7-B78E-2AEE51319D0E}"/>
+              </a:ext>
+            </a:extLst>
+          </p:cNvPr>
+          <p:cNvSpPr>
+            <a:spLocks noGrp="1"/>
+          </p:cNvSpPr>
+          <p:nvPr>
+            <p:ph type="title"/>
+          </p:nvPr>
+        </p:nvSpPr>
+        <p:spPr/>
+        <p:txBody>
+          <a:bodyPr/>
+          <a:lstStyle/>
+          <a:p>
+            <a:r>
+              <a:rPr lang="en-US" b="0" i="0" dirty="0">
+                <a:solidFill>
+                  <a:srgbClr val="ECECEC"/>
+                </a:solidFill>
+                <a:effectLst/>
+                <a:latin typeface="Söhne"/>
+              </a:rPr>
+              <a:t>The Discernability Penalty (DP)</a:t>
+            </a:r>
+            <a:endParaRPr lang="en-US" dirty="0"/>
+          </a:p>
+        </p:txBody>
+      </p:sp>
+      <p:pic>
+        <p:nvPicPr>
+          <p:cNvPr id="5" name="Content Placeholder 4">
+            <a:extLst>
+              <a:ext uri="{FF2B5EF4-FFF2-40B4-BE49-F238E27FC236}">
+                <a16:creationId xmlns:a16="http://schemas.microsoft.com/office/drawing/2014/main" id="{D7F3C4DC-71DC-49D1-AF86-60C246F6FFDE}"/>
+              </a:ext>
+            </a:extLst>
+          </p:cNvPr>
+          <p:cNvPicPr>
+            <a:picLocks noGrp="1" noChangeAspect="1"/>
+          </p:cNvPicPr>
+          <p:nvPr>
+            <p:ph idx="1"/>
+          </p:nvPr>
+        </p:nvPicPr>
+        <p:blipFill>
+          <a:blip r:embed="rId2"/>
+          <a:stretch>
+            <a:fillRect/>
+          </a:stretch>
+        </p:blipFill>
+        <p:spPr>
+          <a:xfrm>
+            <a:off x="4405224" y="3429000"/>
+            <a:ext cx="3370903" cy="849504"/>
+          </a:xfrm>
+        </p:spPr>
+      </p:pic>
+      <p:sp>
+        <p:nvSpPr>
+          <p:cNvPr id="6" name="Rectangle 5">
+            <a:extLst>
+              <a:ext uri="{FF2B5EF4-FFF2-40B4-BE49-F238E27FC236}">
+                <a16:creationId xmlns:a16="http://schemas.microsoft.com/office/drawing/2014/main" id="{50BF45F2-0C9C-459E-B483-BD860DC3DBD7}"/>
+              </a:ext>
+            </a:extLst>
+          </p:cNvPr>
+          <p:cNvSpPr/>
+          <p:nvPr/>
+        </p:nvSpPr>
+        <p:spPr>
+          <a:xfrm>
+            <a:off x="1731622" y="2520924"/>
+            <a:ext cx="8342097" cy="970450"/>
+          </a:xfrm>
+          <a:prstGeom prst="rect">
+            <a:avLst/>
+          </a:prstGeom>
+          <a:noFill/>
+          <a:ln>
+            <a:noFill/>
+          </a:ln>
+        </p:spPr>
+        <p:style>
+          <a:lnRef idx="2">
+            <a:schemeClr val="accent1">
+              <a:shade val="50000"/>
+            </a:schemeClr>
+          </a:lnRef>
+          <a:fillRef idx="1">
+            <a:schemeClr val="accent1"/>
+          </a:fillRef>
+          <a:effectRef idx="0">
+            <a:schemeClr val="accent1"/>
+          </a:effectRef>
+          <a:fontRef idx="minor">
+            <a:schemeClr val="lt1"/>
+          </a:fontRef>
+        </p:style>
+        <p:txBody>
+          <a:bodyPr rtlCol="0" anchor="ctr"/>
+          <a:lstStyle/>
+          <a:p>
+            <a:r>
+              <a:rPr lang="en-US" b="0" i="0" dirty="0">
+                <a:solidFill>
+                  <a:srgbClr val="ECECEC"/>
+                </a:solidFill>
+                <a:effectLst/>
+                <a:latin typeface="Söhne"/>
+              </a:rPr>
+              <a:t>For an anonymized dataset with equivalence classes </a:t>
+            </a:r>
+            <a:r>
+              <a:rPr lang="en-US" b="0" i="1" dirty="0">
+                <a:solidFill>
+                  <a:srgbClr val="ECECEC"/>
+                </a:solidFill>
+                <a:effectLst/>
+                <a:latin typeface="KaTeX_Math"/>
+              </a:rPr>
+              <a:t>C</a:t>
+            </a:r>
+            <a:r>
+              <a:rPr lang="en-US" b="0" i="0" dirty="0">
+                <a:solidFill>
+                  <a:srgbClr val="ECECEC"/>
+                </a:solidFill>
+                <a:effectLst/>
+                <a:latin typeface="KaTeX_Main"/>
+              </a:rPr>
+              <a:t>1​,</a:t>
+            </a:r>
+            <a:r>
+              <a:rPr lang="en-US" b="0" i="1" dirty="0">
+                <a:solidFill>
+                  <a:srgbClr val="ECECEC"/>
+                </a:solidFill>
+                <a:effectLst/>
+                <a:latin typeface="KaTeX_Math"/>
+              </a:rPr>
+              <a:t>C</a:t>
+            </a:r>
+            <a:r>
+              <a:rPr lang="en-US" b="0" i="0" dirty="0">
+                <a:solidFill>
+                  <a:srgbClr val="ECECEC"/>
+                </a:solidFill>
+                <a:effectLst/>
+                <a:latin typeface="KaTeX_Main"/>
+              </a:rPr>
+              <a:t>2​,…,</a:t>
+            </a:r>
+            <a:r>
+              <a:rPr lang="en-US" b="0" i="1" dirty="0">
+                <a:solidFill>
+                  <a:srgbClr val="ECECEC"/>
+                </a:solidFill>
+                <a:effectLst/>
+                <a:latin typeface="KaTeX_Math"/>
+              </a:rPr>
+              <a:t>Cn</a:t>
+            </a:r>
+            <a:r>
+              <a:rPr lang="en-US" b="0" i="0" dirty="0">
+                <a:solidFill>
+                  <a:srgbClr val="ECECEC"/>
+                </a:solidFill>
+                <a:effectLst/>
+                <a:latin typeface="KaTeX_Main"/>
+              </a:rPr>
+              <a:t>​</a:t>
+            </a:r>
+            <a:r>
+              <a:rPr lang="en-US" b="0" i="0" dirty="0">
+                <a:solidFill>
+                  <a:srgbClr val="ECECEC"/>
+                </a:solidFill>
+                <a:effectLst/>
+                <a:latin typeface="Söhne"/>
+              </a:rPr>
+              <a:t>, where each </a:t>
+            </a:r>
+            <a:r>
+              <a:rPr lang="en-US" b="0" i="1" dirty="0">
+                <a:solidFill>
+                  <a:srgbClr val="ECECEC"/>
+                </a:solidFill>
+                <a:effectLst/>
+                <a:latin typeface="KaTeX_Math"/>
+              </a:rPr>
+              <a:t>Ci</a:t>
+            </a:r>
+            <a:r>
+              <a:rPr lang="en-US" b="0" i="0" dirty="0">
+                <a:solidFill>
+                  <a:srgbClr val="ECECEC"/>
+                </a:solidFill>
+                <a:effectLst/>
+                <a:latin typeface="KaTeX_Main"/>
+              </a:rPr>
+              <a:t>​</a:t>
+            </a:r>
+            <a:r>
+              <a:rPr lang="en-US" b="0" i="0" dirty="0">
+                <a:solidFill>
+                  <a:srgbClr val="ECECEC"/>
+                </a:solidFill>
+                <a:effectLst/>
+                <a:latin typeface="Söhne"/>
+              </a:rPr>
+              <a:t> has </a:t>
+            </a:r>
+            <a:r>
+              <a:rPr lang="en-US" b="0" i="0" dirty="0">
+                <a:solidFill>
+                  <a:srgbClr val="ECECEC"/>
+                </a:solidFill>
+                <a:effectLst/>
+                <a:latin typeface="KaTeX_Main"/>
+              </a:rPr>
+              <a:t>∣</a:t>
+            </a:r>
+            <a:r>
+              <a:rPr lang="en-US" b="0" i="1" dirty="0">
+                <a:solidFill>
+                  <a:srgbClr val="ECECEC"/>
+                </a:solidFill>
+                <a:effectLst/>
+                <a:latin typeface="KaTeX_Math"/>
+              </a:rPr>
+              <a:t>Ci</a:t>
+            </a:r>
+            <a:r>
+              <a:rPr lang="en-US" b="0" i="0" dirty="0">
+                <a:solidFill>
+                  <a:srgbClr val="ECECEC"/>
+                </a:solidFill>
+                <a:effectLst/>
+                <a:latin typeface="KaTeX_Main"/>
+              </a:rPr>
+              <a:t>​∣</a:t>
+            </a:r>
+            <a:r>
+              <a:rPr lang="en-US" b="0" i="0" dirty="0">
+                <a:solidFill>
+                  <a:srgbClr val="ECECEC"/>
+                </a:solidFill>
+                <a:effectLst/>
+                <a:latin typeface="Söhne"/>
+              </a:rPr>
+              <a:t> records, the Discernability Penalty (DP) is given by:</a:t>
+            </a:r>
+            <a:endParaRPr lang="en-US" dirty="0"/>
+          </a:p>
+        </p:txBody>
+      </p:sp>
+      <p:sp>
+        <p:nvSpPr>
+          <p:cNvPr id="7" name="Rectangle 6">
+            <a:extLst>
+              <a:ext uri="{FF2B5EF4-FFF2-40B4-BE49-F238E27FC236}">
+                <a16:creationId xmlns:a16="http://schemas.microsoft.com/office/drawing/2014/main" id="{2E3F184F-99D5-47E5-8DF0-3B5E5C7EEA76}"/>
+              </a:ext>
+            </a:extLst>
+          </p:cNvPr>
+          <p:cNvSpPr/>
+          <p:nvPr/>
+        </p:nvSpPr>
+        <p:spPr>
+          <a:xfrm>
+            <a:off x="1731623" y="1550474"/>
+            <a:ext cx="8342098" cy="970450"/>
+          </a:xfrm>
+          <a:prstGeom prst="rect">
+            <a:avLst/>
+          </a:prstGeom>
+          <a:noFill/>
+          <a:ln>
+            <a:noFill/>
+          </a:ln>
+        </p:spPr>
+        <p:style>
+          <a:lnRef idx="2">
+            <a:schemeClr val="accent1">
+              <a:shade val="50000"/>
+            </a:schemeClr>
+          </a:lnRef>
+          <a:fillRef idx="1">
+            <a:schemeClr val="accent1"/>
+          </a:fillRef>
+          <a:effectRef idx="0">
+            <a:schemeClr val="accent1"/>
+          </a:effectRef>
+          <a:fontRef idx="minor">
+            <a:schemeClr val="lt1"/>
+          </a:fontRef>
+        </p:style>
+        <p:txBody>
+          <a:bodyPr rtlCol="0" anchor="ctr"/>
+          <a:lstStyle/>
+          <a:p>
+            <a:r>
+              <a:rPr lang="en-US" b="0" i="0" dirty="0">
+                <a:solidFill>
+                  <a:schemeClr val="accent2"/>
+                </a:solidFill>
+                <a:effectLst/>
+                <a:latin typeface="Söhne"/>
+              </a:rPr>
+              <a:t>The Discernability Penalty (DP): </a:t>
+            </a:r>
+            <a:r>
+              <a:rPr lang="en-US" dirty="0">
+                <a:solidFill>
+                  <a:schemeClr val="tx1"/>
+                </a:solidFill>
+                <a:latin typeface="Söhne"/>
+              </a:rPr>
+              <a:t>It</a:t>
+            </a:r>
+            <a:r>
+              <a:rPr lang="en-US" dirty="0">
+                <a:solidFill>
+                  <a:schemeClr val="accent2"/>
+                </a:solidFill>
+                <a:latin typeface="Söhne"/>
+              </a:rPr>
+              <a:t> </a:t>
+            </a:r>
+            <a:r>
+              <a:rPr lang="en-US" b="0" i="0" dirty="0">
+                <a:solidFill>
+                  <a:srgbClr val="ECECEC"/>
+                </a:solidFill>
+                <a:effectLst/>
+                <a:latin typeface="Söhne"/>
+              </a:rPr>
+              <a:t>is a metric used in privacy-preserving data publishing, particularly in the context of k-anonymization. It quantifies the amount of information loss and the level of privacy protection in an anonymized dataset.</a:t>
+            </a:r>
+            <a:endParaRPr lang="en-US" dirty="0"/>
+          </a:p>
+        </p:txBody>
+      </p:sp>
+      <p:pic>
+        <p:nvPicPr>
+          <p:cNvPr id="9" name="Picture 8">
+            <a:extLst>
+              <a:ext uri="{FF2B5EF4-FFF2-40B4-BE49-F238E27FC236}">
+                <a16:creationId xmlns:a16="http://schemas.microsoft.com/office/drawing/2014/main" id="{32F5C1AC-F640-437D-9432-EE5467B532FC}"/>
+              </a:ext>
+            </a:extLst>
+          </p:cNvPr>
+          <p:cNvPicPr>
+            <a:picLocks noChangeAspect="1"/>
+          </p:cNvPicPr>
+          <p:nvPr/>
+        </p:nvPicPr>
+        <p:blipFill>
+          <a:blip r:embed="rId3"/>
+          <a:stretch>
+            <a:fillRect/>
+          </a:stretch>
+        </p:blipFill>
+        <p:spPr>
+          <a:xfrm>
+            <a:off x="3733369" y="4428433"/>
+            <a:ext cx="4978656" cy="565179"/>
+          </a:xfrm>
+          <a:prstGeom prst="rect">
+            <a:avLst/>
+          </a:prstGeom>
+        </p:spPr>
+      </p:pic>
+      <p:pic>
+        <p:nvPicPr>
+          <p:cNvPr id="13" name="Picture 12">
+            <a:extLst>
+              <a:ext uri="{FF2B5EF4-FFF2-40B4-BE49-F238E27FC236}">
+                <a16:creationId xmlns:a16="http://schemas.microsoft.com/office/drawing/2014/main" id="{190D57DB-9BC7-4BFF-9AF2-6FE581EF5FC2}"/>
+              </a:ext>
+            </a:extLst>
+          </p:cNvPr>
+          <p:cNvPicPr>
+            <a:picLocks noChangeAspect="1"/>
+          </p:cNvPicPr>
+          <p:nvPr/>
+        </p:nvPicPr>
+        <p:blipFill>
+          <a:blip r:embed="rId4"/>
+          <a:stretch>
+            <a:fillRect/>
+          </a:stretch>
+        </p:blipFill>
+        <p:spPr>
+          <a:xfrm>
+            <a:off x="3485706" y="5099091"/>
+            <a:ext cx="5473981" cy="1536779"/>
+          </a:xfrm>
+          <a:prstGeom prst="rect">
+            <a:avLst/>
+          </a:prstGeom>
+        </p:spPr>
+      </p:pic>
+      <p:sp>
+        <p:nvSpPr>
+          <p:cNvPr id="14" name="Oval 13">
+            <a:extLst>
+              <a:ext uri="{FF2B5EF4-FFF2-40B4-BE49-F238E27FC236}">
+                <a16:creationId xmlns:a16="http://schemas.microsoft.com/office/drawing/2014/main" id="{9632E015-8F48-4765-B9E9-1A13593F57B6}"/>
+              </a:ext>
+            </a:extLst>
+          </p:cNvPr>
+          <p:cNvSpPr/>
+          <p:nvPr/>
+        </p:nvSpPr>
+        <p:spPr>
+          <a:xfrm>
+            <a:off x="5943600" y="6089650"/>
+            <a:ext cx="939800" cy="298450"/>
+          </a:xfrm>
+          <a:prstGeom prst="ellipse">
+            <a:avLst/>
+          </a:prstGeom>
+          <a:noFill/>
+          <a:ln>
+            <a:solidFill>
+              <a:srgbClr val="00B050"/>
+            </a:solidFill>
+          </a:ln>
+        </p:spPr>
+        <p:style>
+          <a:lnRef idx="2">
+            <a:schemeClr val="accent1">
+              <a:shade val="50000"/>
+            </a:schemeClr>
+          </a:lnRef>
+          <a:fillRef idx="1">
+            <a:schemeClr val="accent1"/>
+          </a:fillRef>
+          <a:effectRef idx="0">
+            <a:schemeClr val="accent1"/>
+          </a:effectRef>
+          <a:fontRef idx="minor">
+            <a:schemeClr val="lt1"/>
+          </a:fontRef>
+        </p:style>
+        <p:txBody>
+          <a:bodyPr rtlCol="0" anchor="ctr"/>
+          <a:lstStyle/>
+          <a:p>
+            <a:pPr algn="ctr"/>
+            <a:endParaRPr lang="en-US"/>
+          </a:p>
+        </p:txBody>
+      </p:sp>
+    </p:spTree>
+    <p:extLst>
+      <p:ext uri="{BB962C8B-B14F-4D97-AF65-F5344CB8AC3E}">
+        <p14:creationId xmlns:p14="http://schemas.microsoft.com/office/powerpoint/2010/main" val="1012524513"/>
+      </p:ext>
+    </p:extLst>
+  </p:cSld>
+  <p:clrMapOvr>
+    <a:masterClrMapping/>
+  </p:clrMapOvr>
+  <p:timing>
+    <p:tnLst>
+      <p:par>
+        <p:cTn id="1" dur="indefinite" restart="never" nodeType="tmRoot">
+          <p:childTnLst>
+            <p:seq concurrent="1" nextAc="seek">
+              <p:cTn id="2" dur="indefinite" nodeType="mainSeq">
+                <p:childTnLst>
+                  <p:par>
+                    <p:cTn id="3" fill="hold">
+                      <p:stCondLst>
+                        <p:cond delay="indefinite"/>
+                      </p:stCondLst>
+                      <p:childTnLst>
+                        <p:par>
+                          <p:cTn id="4" fill="hold">
+                            <p:stCondLst>
+                              <p:cond delay="0"/>
+                            </p:stCondLst>
+                            <p:childTnLst>
+                              <p:par>
+                                <p:cTn id="5" presetID="10" presetClass="entr" presetSubtype="0" fill="hold" nodeType="clickEffect">
+                                  <p:stCondLst>
+                                    <p:cond delay="0"/>
+                                  </p:stCondLst>
+                                  <p:childTnLst>
+                                    <p:set>
+                                      <p:cBhvr>
+                                        <p:cTn id="6" dur="1" fill="hold">
+                                          <p:stCondLst>
+                                            <p:cond delay="0"/>
+                                          </p:stCondLst>
+                                        </p:cTn>
+                                        <p:tgtEl>
+                                          <p:spTgt spid="7">
+                                            <p:txEl>
+                                              <p:pRg st="0" end="0"/>
+                                            </p:txEl>
+                                          </p:spTgt>
+                                        </p:tgtEl>
+                                        <p:attrNameLst>
+                                          <p:attrName>style.visibility</p:attrName>
+                                        </p:attrNameLst>
+                                      </p:cBhvr>
+                                      <p:to>
+                                        <p:strVal val="visible"/>
+                                      </p:to>
+                                    </p:set>
+                                    <p:animEffect transition="in" filter="fade">
+                                      <p:cBhvr>
+                                        <p:cTn id="7" dur="500"/>
+                                        <p:tgtEl>
+                                          <p:spTgt spid="7">
+                                            <p:txEl>
+                                              <p:pRg st="0" end="0"/>
+                                            </p:txEl>
+                                          </p:spTgt>
+                                        </p:tgtEl>
+                                      </p:cBhvr>
+                                    </p:animEffect>
+                                  </p:childTnLst>
+                                </p:cTn>
+                              </p:par>
+                            </p:childTnLst>
+                          </p:cTn>
+                        </p:par>
+                      </p:childTnLst>
+                    </p:cTn>
+                  </p:par>
+                  <p:par>
+                    <p:cTn id="8" fill="hold">
+                      <p:stCondLst>
+                        <p:cond delay="indefinite"/>
+                      </p:stCondLst>
+                      <p:childTnLst>
+                        <p:par>
+                          <p:cTn id="9" fill="hold">
+                            <p:stCondLst>
+                              <p:cond delay="0"/>
+                            </p:stCondLst>
+                            <p:childTnLst>
+                              <p:par>
+                                <p:cTn id="10" presetID="10" presetClass="entr" presetSubtype="0" fill="hold" grpId="0" nodeType="clickEffect">
+                                  <p:stCondLst>
+                                    <p:cond delay="0"/>
+                                  </p:stCondLst>
+                                  <p:childTnLst>
+                                    <p:set>
+                                      <p:cBhvr>
+                                        <p:cTn id="11" dur="1" fill="hold">
+                                          <p:stCondLst>
+                                            <p:cond delay="0"/>
+                                          </p:stCondLst>
+                                        </p:cTn>
+                                        <p:tgtEl>
+                                          <p:spTgt spid="6"/>
+                                        </p:tgtEl>
+                                        <p:attrNameLst>
+                                          <p:attrName>style.visibility</p:attrName>
+                                        </p:attrNameLst>
+                                      </p:cBhvr>
+                                      <p:to>
+                                        <p:strVal val="visible"/>
+                                      </p:to>
+                                    </p:set>
+                                    <p:animEffect transition="in" filter="fade">
+                                      <p:cBhvr>
+                                        <p:cTn id="12" dur="500"/>
+                                        <p:tgtEl>
+                                          <p:spTgt spid="6"/>
+                                        </p:tgtEl>
+                                      </p:cBhvr>
+                                    </p:animEffect>
+                                  </p:childTnLst>
+                                </p:cTn>
+                              </p:par>
+                              <p:par>
+                                <p:cTn id="13" presetID="10" presetClass="entr" presetSubtype="0" fill="hold" nodeType="withEffect">
+                                  <p:stCondLst>
+                                    <p:cond delay="0"/>
+                                  </p:stCondLst>
+                                  <p:childTnLst>
+                                    <p:set>
+                                      <p:cBhvr>
+                                        <p:cTn id="14" dur="1" fill="hold">
+                                          <p:stCondLst>
+                                            <p:cond delay="0"/>
+                                          </p:stCondLst>
+                                        </p:cTn>
+                                        <p:tgtEl>
+                                          <p:spTgt spid="5"/>
+                                        </p:tgtEl>
+                                        <p:attrNameLst>
+                                          <p:attrName>style.visibility</p:attrName>
+                                        </p:attrNameLst>
+                                      </p:cBhvr>
+                                      <p:to>
+                                        <p:strVal val="visible"/>
+                                      </p:to>
+                                    </p:set>
+                                    <p:animEffect transition="in" filter="fade">
+                                      <p:cBhvr>
+                                        <p:cTn id="15" dur="500"/>
+                                        <p:tgtEl>
+                                          <p:spTgt spid="5"/>
+                                        </p:tgtEl>
+                                      </p:cBhvr>
+                                    </p:animEffect>
+                                  </p:childTnLst>
+                                </p:cTn>
+                              </p:par>
+                            </p:childTnLst>
+                          </p:cTn>
+                        </p:par>
+                      </p:childTnLst>
+                    </p:cTn>
+                  </p:par>
+                  <p:par>
+                    <p:cTn id="16" fill="hold">
+                      <p:stCondLst>
+                        <p:cond delay="indefinite"/>
+                      </p:stCondLst>
+                      <p:childTnLst>
+                        <p:par>
+                          <p:cTn id="17" fill="hold">
+                            <p:stCondLst>
+                              <p:cond delay="0"/>
+                            </p:stCondLst>
+                            <p:childTnLst>
+                              <p:par>
+                                <p:cTn id="18" presetID="10" presetClass="entr" presetSubtype="0" fill="hold" nodeType="clickEffect">
+                                  <p:stCondLst>
+                                    <p:cond delay="0"/>
+                                  </p:stCondLst>
+                                  <p:childTnLst>
+                                    <p:set>
+                                      <p:cBhvr>
+                                        <p:cTn id="19" dur="1" fill="hold">
+                                          <p:stCondLst>
+                                            <p:cond delay="0"/>
+                                          </p:stCondLst>
+                                        </p:cTn>
+                                        <p:tgtEl>
+                                          <p:spTgt spid="9"/>
+                                        </p:tgtEl>
+                                        <p:attrNameLst>
+                                          <p:attrName>style.visibility</p:attrName>
+                                        </p:attrNameLst>
+                                      </p:cBhvr>
+                                      <p:to>
+                                        <p:strVal val="visible"/>
+                                      </p:to>
+                                    </p:set>
+                                    <p:animEffect transition="in" filter="fade">
+                                      <p:cBhvr>
+                                        <p:cTn id="20" dur="500"/>
+                                        <p:tgtEl>
+                                          <p:spTgt spid="9"/>
+                                        </p:tgtEl>
+                                      </p:cBhvr>
+                                    </p:animEffect>
+                                  </p:childTnLst>
+                                </p:cTn>
+                              </p:par>
+                            </p:childTnLst>
+                          </p:cTn>
+                        </p:par>
+                      </p:childTnLst>
+                    </p:cTn>
+                  </p:par>
+                  <p:par>
+                    <p:cTn id="21" fill="hold">
+                      <p:stCondLst>
+                        <p:cond delay="indefinite"/>
+                      </p:stCondLst>
+                      <p:childTnLst>
+                        <p:par>
+                          <p:cTn id="22" fill="hold">
+                            <p:stCondLst>
+                              <p:cond delay="0"/>
+                            </p:stCondLst>
+                            <p:childTnLst>
+                              <p:par>
+                                <p:cTn id="23" presetID="10" presetClass="entr" presetSubtype="0" fill="hold" nodeType="clickEffect">
+                                  <p:stCondLst>
+                                    <p:cond delay="0"/>
+                                  </p:stCondLst>
+                                  <p:childTnLst>
+                                    <p:set>
+                                      <p:cBhvr>
+                                        <p:cTn id="24" dur="1" fill="hold">
+                                          <p:stCondLst>
+                                            <p:cond delay="0"/>
+                                          </p:stCondLst>
+                                        </p:cTn>
+                                        <p:tgtEl>
+                                          <p:spTgt spid="13"/>
+                                        </p:tgtEl>
+                                        <p:attrNameLst>
+                                          <p:attrName>style.visibility</p:attrName>
+                                        </p:attrNameLst>
+                                      </p:cBhvr>
+                                      <p:to>
+                                        <p:strVal val="visible"/>
+                                      </p:to>
+                                    </p:set>
+                                    <p:animEffect transition="in" filter="fade">
+                                      <p:cBhvr>
+                                        <p:cTn id="25" dur="500"/>
+                                        <p:tgtEl>
+                                          <p:spTgt spid="13"/>
+                                        </p:tgtEl>
+                                      </p:cBhvr>
+                                    </p:animEffect>
+                                  </p:childTnLst>
+                                </p:cTn>
+                              </p:par>
+                            </p:childTnLst>
+                          </p:cTn>
+                        </p:par>
+                      </p:childTnLst>
+                    </p:cTn>
+                  </p:par>
+                  <p:par>
+                    <p:cTn id="26" fill="hold">
+                      <p:stCondLst>
+                        <p:cond delay="indefinite"/>
+                      </p:stCondLst>
+                      <p:childTnLst>
+                        <p:par>
+                          <p:cTn id="27" fill="hold">
+                            <p:stCondLst>
+                              <p:cond delay="0"/>
+                            </p:stCondLst>
+                            <p:childTnLst>
+                              <p:par>
+                                <p:cTn id="28" presetID="10" presetClass="entr" presetSubtype="0" fill="hold" grpId="0" nodeType="clickEffect">
+                                  <p:stCondLst>
+                                    <p:cond delay="0"/>
+                                  </p:stCondLst>
+                                  <p:childTnLst>
+                                    <p:set>
+                                      <p:cBhvr>
+                                        <p:cTn id="29" dur="1" fill="hold">
+                                          <p:stCondLst>
+                                            <p:cond delay="0"/>
+                                          </p:stCondLst>
+                                        </p:cTn>
+                                        <p:tgtEl>
+                                          <p:spTgt spid="14"/>
+                                        </p:tgtEl>
+                                        <p:attrNameLst>
+                                          <p:attrName>style.visibility</p:attrName>
+                                        </p:attrNameLst>
+                                      </p:cBhvr>
+                                      <p:to>
+                                        <p:strVal val="visible"/>
+                                      </p:to>
+                                    </p:set>
+                                    <p:animEffect transition="in" filter="fade">
+                                      <p:cBhvr>
+                                        <p:cTn id="30" dur="500"/>
+                                        <p:tgtEl>
+                                          <p:spTgt spid="14"/>
+                                        </p:tgtEl>
+                                      </p:cBhvr>
+                                    </p:animEffect>
+                                  </p:childTnLst>
+                                </p:cTn>
+                              </p:par>
+                            </p:childTnLst>
+                          </p:cTn>
+                        </p:par>
+                      </p:childTnLst>
+                    </p:cTn>
+                  </p:par>
+                </p:childTnLst>
+              </p:cTn>
+              <p:prevCondLst>
+                <p:cond evt="onPrev" delay="0">
+                  <p:tgtEl>
+                    <p:sldTgt/>
+                  </p:tgtEl>
+                </p:cond>
+              </p:prevCondLst>
+              <p:nextCondLst>
+                <p:cond evt="onNext" delay="0">
+                  <p:tgtEl>
+                    <p:sldTgt/>
+                  </p:tgtEl>
+                </p:cond>
+              </p:nextCondLst>
+            </p:seq>
+          </p:childTnLst>
+        </p:cTn>
+      </p:par>
+    </p:tnLst>
+    <p:bldLst>
+      <p:bldP spid="6" grpId="0"/>
+      <p:bldP spid="14" grpId="0" animBg="1"/>
+    </p:bldLst>
+  </p:timing>
+</p:sld>
+</file>
+
+<file path=ppt/slides/slide19.xml><?xml version="1.0" encoding="utf-8"?>
+<p:sld xmlns:a="http://schemas.openxmlformats.org/drawingml/2006/main" xmlns:r="http://schemas.openxmlformats.org/officeDocument/2006/relationships" xmlns:p="http://schemas.openxmlformats.org/presentationml/2006/main">
+  <p:cSld>
+    <p:spTree>
+      <p:nvGrpSpPr>
+        <p:cNvPr id="1" name=""/>
+        <p:cNvGrpSpPr/>
+        <p:nvPr/>
+      </p:nvGrpSpPr>
+      <p:grpSpPr>
+        <a:xfrm>
+          <a:off x="0" y="0"/>
+          <a:ext cx="0" cy="0"/>
+          <a:chOff x="0" y="0"/>
+          <a:chExt cx="0" cy="0"/>
+        </a:xfrm>
+      </p:grpSpPr>
+      <p:sp>
+        <p:nvSpPr>
+          <p:cNvPr id="2" name="Title 1">
+            <a:extLst>
+              <a:ext uri="{FF2B5EF4-FFF2-40B4-BE49-F238E27FC236}">
+                <a16:creationId xmlns:a16="http://schemas.microsoft.com/office/drawing/2014/main" id="{AE34E95C-2CC2-488B-8560-CFE7E87C9800}"/>
+              </a:ext>
+            </a:extLst>
+          </p:cNvPr>
+          <p:cNvSpPr>
+            <a:spLocks noGrp="1"/>
+          </p:cNvSpPr>
+          <p:nvPr>
+            <p:ph type="title"/>
+          </p:nvPr>
+        </p:nvSpPr>
+        <p:spPr>
+          <a:xfrm>
+            <a:off x="919119" y="901700"/>
+            <a:ext cx="10353762" cy="970450"/>
+          </a:xfrm>
+        </p:spPr>
+        <p:txBody>
+          <a:bodyPr/>
+          <a:lstStyle/>
+          <a:p>
+            <a:r>
+              <a:rPr lang="en-US" dirty="0"/>
+              <a:t>Complexity</a:t>
+            </a:r>
+          </a:p>
+        </p:txBody>
+      </p:sp>
+      <p:sp>
+        <p:nvSpPr>
+          <p:cNvPr id="3" name="Content Placeholder 2">
+            <a:extLst>
+              <a:ext uri="{FF2B5EF4-FFF2-40B4-BE49-F238E27FC236}">
+                <a16:creationId xmlns:a16="http://schemas.microsoft.com/office/drawing/2014/main" id="{67D50C54-3FBE-4D99-ACE1-DC393C01F443}"/>
+              </a:ext>
+            </a:extLst>
+          </p:cNvPr>
+          <p:cNvSpPr>
+            <a:spLocks noGrp="1"/>
+          </p:cNvSpPr>
+          <p:nvPr>
+            <p:ph idx="1"/>
+          </p:nvPr>
+        </p:nvSpPr>
+        <p:spPr>
+          <a:xfrm>
+            <a:off x="924443" y="1917700"/>
+            <a:ext cx="10353762" cy="3124200"/>
+          </a:xfrm>
+        </p:spPr>
+        <p:txBody>
+          <a:bodyPr anchor="ctr">
+            <a:normAutofit/>
+          </a:bodyPr>
+          <a:lstStyle/>
+          <a:p>
+            <a:pPr marL="36900" indent="0" algn="ctr">
+              <a:buNone/>
+            </a:pPr>
+            <a:r>
+              <a:rPr lang="en-US" sz="2400" dirty="0"/>
+              <a:t>the time complexity is O(</a:t>
+            </a:r>
+            <a:r>
+              <a:rPr lang="en-US" sz="2400" dirty="0" err="1"/>
+              <a:t>nlogn</a:t>
+            </a:r>
+            <a:r>
+              <a:rPr lang="en-US" sz="2400" dirty="0"/>
+              <a:t>), where n = |T|</a:t>
+            </a:r>
+          </a:p>
+        </p:txBody>
+      </p:sp>
+    </p:spTree>
+    <p:extLst>
+      <p:ext uri="{BB962C8B-B14F-4D97-AF65-F5344CB8AC3E}">
+        <p14:creationId xmlns:p14="http://schemas.microsoft.com/office/powerpoint/2010/main" val="1151931550"/>
+      </p:ext>
+    </p:extLst>
+  </p:cSld>
+  <p:clrMapOvr>
+    <a:masterClrMapping/>
+  </p:clrMapOvr>
+</p:sld>
+</file>
+
 <file path=ppt/slides/slide2.xml><?xml version="1.0" encoding="utf-8"?>
 <p:sld xmlns:a="http://schemas.openxmlformats.org/drawingml/2006/main" xmlns:r="http://schemas.openxmlformats.org/officeDocument/2006/relationships" xmlns:p="http://schemas.openxmlformats.org/presentationml/2006/main">
   <p:cSld>
@@ -13852,6 +14798,74 @@
     <p:extLst>
       <p:ext uri="{BB962C8B-B14F-4D97-AF65-F5344CB8AC3E}">
         <p14:creationId xmlns:p14="http://schemas.microsoft.com/office/powerpoint/2010/main" val="3226530"/>
+      </p:ext>
+    </p:extLst>
+  </p:cSld>
+  <p:clrMapOvr>
+    <a:masterClrMapping/>
+  </p:clrMapOvr>
+</p:sld>
+</file>
+
+<file path=ppt/slides/slide20.xml><?xml version="1.0" encoding="utf-8"?>
+<p:sld xmlns:a="http://schemas.openxmlformats.org/drawingml/2006/main" xmlns:r="http://schemas.openxmlformats.org/officeDocument/2006/relationships" xmlns:p="http://schemas.openxmlformats.org/presentationml/2006/main">
+  <p:cSld>
+    <p:spTree>
+      <p:nvGrpSpPr>
+        <p:cNvPr id="1" name=""/>
+        <p:cNvGrpSpPr/>
+        <p:nvPr/>
+      </p:nvGrpSpPr>
+      <p:grpSpPr>
+        <a:xfrm>
+          <a:off x="0" y="0"/>
+          <a:ext cx="0" cy="0"/>
+          <a:chOff x="0" y="0"/>
+          <a:chExt cx="0" cy="0"/>
+        </a:xfrm>
+      </p:grpSpPr>
+      <p:sp>
+        <p:nvSpPr>
+          <p:cNvPr id="3" name="Content Placeholder 2">
+            <a:extLst>
+              <a:ext uri="{FF2B5EF4-FFF2-40B4-BE49-F238E27FC236}">
+                <a16:creationId xmlns:a16="http://schemas.microsoft.com/office/drawing/2014/main" id="{18FD0B51-CD11-402F-8333-C2CD9ED5C71E}"/>
+              </a:ext>
+            </a:extLst>
+          </p:cNvPr>
+          <p:cNvSpPr>
+            <a:spLocks noGrp="1"/>
+          </p:cNvSpPr>
+          <p:nvPr>
+            <p:ph idx="1"/>
+          </p:nvPr>
+        </p:nvSpPr>
+        <p:spPr>
+          <a:xfrm>
+            <a:off x="919119" y="1399624"/>
+            <a:ext cx="10353762" cy="4058751"/>
+          </a:xfrm>
+        </p:spPr>
+        <p:txBody>
+          <a:bodyPr anchor="ctr">
+            <a:normAutofit/>
+          </a:bodyPr>
+          <a:lstStyle/>
+          <a:p>
+            <a:pPr marL="36900" indent="0" algn="ctr">
+              <a:buNone/>
+            </a:pPr>
+            <a:r>
+              <a:rPr lang="en-US" sz="6000" dirty="0"/>
+              <a:t>Thanks for your attention</a:t>
+            </a:r>
+          </a:p>
+        </p:txBody>
+      </p:sp>
+    </p:spTree>
+    <p:extLst>
+      <p:ext uri="{BB962C8B-B14F-4D97-AF65-F5344CB8AC3E}">
+        <p14:creationId xmlns:p14="http://schemas.microsoft.com/office/powerpoint/2010/main" val="3300469829"/>
       </p:ext>
     </p:extLst>
   </p:cSld>
@@ -16555,8 +17569,8 @@
           </a:p>
         </p:txBody>
       </p:sp>
-      <mc:AlternateContent xmlns:mc="http://schemas.openxmlformats.org/markup-compatibility/2006">
-        <mc:Choice xmlns:a14="http://schemas.microsoft.com/office/drawing/2010/main" Requires="a14">
+      <mc:AlternateContent xmlns:mc="http://schemas.openxmlformats.org/markup-compatibility/2006" xmlns:a14="http://schemas.microsoft.com/office/drawing/2010/main">
+        <mc:Choice Requires="a14">
           <p:sp>
             <p:nvSpPr>
               <p:cNvPr id="36" name="Content Placeholder 2">
@@ -17039,7 +18053,7 @@
             </p:txBody>
           </p:sp>
         </mc:Choice>
-        <mc:Fallback>
+        <mc:Fallback xmlns="">
           <p:sp>
             <p:nvSpPr>
               <p:cNvPr id="36" name="Content Placeholder 2">
@@ -20488,36 +21502,6 @@
           </a:p>
         </p:txBody>
       </p:sp>
-      <p:pic>
-        <p:nvPicPr>
-          <p:cNvPr id="8" name="Picture 7">
-            <a:extLst>
-              <a:ext uri="{FF2B5EF4-FFF2-40B4-BE49-F238E27FC236}">
-                <a16:creationId xmlns:a16="http://schemas.microsoft.com/office/drawing/2014/main" id="{FBD2610F-6A17-4F42-9A47-E92CDE80AF87}"/>
-              </a:ext>
-            </a:extLst>
-          </p:cNvPr>
-          <p:cNvPicPr>
-            <a:picLocks noChangeAspect="1"/>
-          </p:cNvPicPr>
-          <p:nvPr/>
-        </p:nvPicPr>
-        <p:blipFill>
-          <a:blip r:embed="rId2"/>
-          <a:stretch>
-            <a:fillRect/>
-          </a:stretch>
-        </p:blipFill>
-        <p:spPr>
-          <a:xfrm>
-            <a:off x="7731541" y="3971929"/>
-            <a:ext cx="4401083" cy="1437379"/>
-          </a:xfrm>
-          <a:prstGeom prst="rect">
-            <a:avLst/>
-          </a:prstGeom>
-        </p:spPr>
-      </p:pic>
     </p:spTree>
     <p:extLst>
       <p:ext uri="{BB962C8B-B14F-4D97-AF65-F5344CB8AC3E}">
@@ -20684,7 +21668,11 @@
                                           </p:stCondLst>
                                         </p:cTn>
                                         <p:tgtEl>
-                                          <p:spTgt spid="8"/>
+                                          <p:spTgt spid="3">
+                                            <p:txEl>
+                                              <p:pRg st="2" end="2"/>
+                                            </p:txEl>
+                                          </p:spTgt>
                                         </p:tgtEl>
                                         <p:attrNameLst>
                                           <p:attrName>style.visibility</p:attrName>
@@ -20698,7 +21686,11 @@
                                       <p:cBhvr>
                                         <p:cTn id="17" dur="500"/>
                                         <p:tgtEl>
-                                          <p:spTgt spid="8"/>
+                                          <p:spTgt spid="3">
+                                            <p:txEl>
+                                              <p:pRg st="2" end="2"/>
+                                            </p:txEl>
+                                          </p:spTgt>
                                         </p:tgtEl>
                                       </p:cBhvr>
                                     </p:animEffect>
@@ -20739,7 +21731,7 @@
                                         <p:tgtEl>
                                           <p:spTgt spid="3">
                                             <p:txEl>
-                                              <p:pRg st="2" end="2"/>
+                                              <p:pRg st="3" end="3"/>
                                             </p:txEl>
                                           </p:spTgt>
                                         </p:tgtEl>
@@ -20754,67 +21746,6 @@
                                     <p:animEffect transition="in" filter="fade">
                                       <p:cBhvr>
                                         <p:cTn id="22" dur="500"/>
-                                        <p:tgtEl>
-                                          <p:spTgt spid="3">
-                                            <p:txEl>
-                                              <p:pRg st="2" end="2"/>
-                                            </p:txEl>
-                                          </p:spTgt>
-                                        </p:tgtEl>
-                                      </p:cBhvr>
-                                    </p:animEffect>
-                                  </p:childTnLst>
-                                </p:cTn>
-                              </p:par>
-                            </p:childTnLst>
-                          </p:cTn>
-                        </p:par>
-                      </p:childTnLst>
-                    </p:cTn>
-                  </p:par>
-                  <p:par>
-                    <p:cTn id="23" fill="hold">
-                      <p:stCondLst>
-                        <p:cond delay="indefinite"/>
-                      </p:stCondLst>
-                      <p:childTnLst>
-                        <p:par>
-                          <p:cTn id="24" fill="hold">
-                            <p:stCondLst>
-                              <p:cond delay="0"/>
-                            </p:stCondLst>
-                            <p:childTnLst>
-                              <p:par>
-                                <p:cTn id="25" presetID="10" presetClass="entr" presetSubtype="0" fill="hold" nodeType="clickEffect">
-                                  <p:stCondLst>
-                                    <p:cond delay="0"/>
-                                  </p:stCondLst>
-                                  <p:childTnLst>
-                                    <p:set>
-                                      <p:cBhvr>
-                                        <p:cTn id="26" dur="1" fill="hold">
-                                          <p:stCondLst>
-                                            <p:cond delay="0"/>
-                                          </p:stCondLst>
-                                        </p:cTn>
-                                        <p:tgtEl>
-                                          <p:spTgt spid="3">
-                                            <p:txEl>
-                                              <p:pRg st="3" end="3"/>
-                                            </p:txEl>
-                                          </p:spTgt>
-                                        </p:tgtEl>
-                                        <p:attrNameLst>
-                                          <p:attrName>style.visibility</p:attrName>
-                                        </p:attrNameLst>
-                                      </p:cBhvr>
-                                      <p:to>
-                                        <p:strVal val="visible"/>
-                                      </p:to>
-                                    </p:set>
-                                    <p:animEffect transition="in" filter="fade">
-                                      <p:cBhvr>
-                                        <p:cTn id="27" dur="500"/>
                                         <p:tgtEl>
                                           <p:spTgt spid="3">
                                             <p:txEl>
@@ -20875,36 +21806,6 @@
           <a:chExt cx="0" cy="0"/>
         </a:xfrm>
       </p:grpSpPr>
-      <p:pic>
-        <p:nvPicPr>
-          <p:cNvPr id="5" name="Picture 4">
-            <a:extLst>
-              <a:ext uri="{FF2B5EF4-FFF2-40B4-BE49-F238E27FC236}">
-                <a16:creationId xmlns:a16="http://schemas.microsoft.com/office/drawing/2014/main" id="{75263CE0-4A1A-4AB8-A99E-A47464741C79}"/>
-              </a:ext>
-            </a:extLst>
-          </p:cNvPr>
-          <p:cNvPicPr>
-            <a:picLocks noChangeAspect="1"/>
-          </p:cNvPicPr>
-          <p:nvPr/>
-        </p:nvPicPr>
-        <p:blipFill>
-          <a:blip r:embed="rId2"/>
-          <a:stretch>
-            <a:fillRect/>
-          </a:stretch>
-        </p:blipFill>
-        <p:spPr>
-          <a:xfrm>
-            <a:off x="1441337" y="803714"/>
-            <a:ext cx="9214324" cy="5416828"/>
-          </a:xfrm>
-          <a:prstGeom prst="rect">
-            <a:avLst/>
-          </a:prstGeom>
-        </p:spPr>
-      </p:pic>
       <p:sp>
         <p:nvSpPr>
           <p:cNvPr id="6" name="Oval 5">
@@ -20919,7 +21820,7 @@
         </p:nvSpPr>
         <p:spPr>
           <a:xfrm>
-            <a:off x="573435" y="256455"/>
+            <a:off x="139985" y="93895"/>
             <a:ext cx="340360" cy="325120"/>
           </a:xfrm>
           <a:prstGeom prst="ellipse">
@@ -20954,6 +21855,96 @@
           </a:p>
         </p:txBody>
       </p:sp>
+      <p:pic>
+        <p:nvPicPr>
+          <p:cNvPr id="3" name="Picture 2">
+            <a:extLst>
+              <a:ext uri="{FF2B5EF4-FFF2-40B4-BE49-F238E27FC236}">
+                <a16:creationId xmlns:a16="http://schemas.microsoft.com/office/drawing/2014/main" id="{B723A626-FDC7-4016-B0DD-3DA09E6FCA92}"/>
+              </a:ext>
+            </a:extLst>
+          </p:cNvPr>
+          <p:cNvPicPr>
+            <a:picLocks noChangeAspect="1"/>
+          </p:cNvPicPr>
+          <p:nvPr/>
+        </p:nvPicPr>
+        <p:blipFill>
+          <a:blip r:embed="rId2"/>
+          <a:stretch>
+            <a:fillRect/>
+          </a:stretch>
+        </p:blipFill>
+        <p:spPr>
+          <a:xfrm>
+            <a:off x="4831383" y="48090"/>
+            <a:ext cx="6851889" cy="2917551"/>
+          </a:xfrm>
+          <a:prstGeom prst="rect">
+            <a:avLst/>
+          </a:prstGeom>
+        </p:spPr>
+      </p:pic>
+      <p:pic>
+        <p:nvPicPr>
+          <p:cNvPr id="5" name="Picture 4">
+            <a:extLst>
+              <a:ext uri="{FF2B5EF4-FFF2-40B4-BE49-F238E27FC236}">
+                <a16:creationId xmlns:a16="http://schemas.microsoft.com/office/drawing/2014/main" id="{75263CE0-4A1A-4AB8-A99E-A47464741C79}"/>
+              </a:ext>
+            </a:extLst>
+          </p:cNvPr>
+          <p:cNvPicPr>
+            <a:picLocks noChangeAspect="1"/>
+          </p:cNvPicPr>
+          <p:nvPr/>
+        </p:nvPicPr>
+        <p:blipFill>
+          <a:blip r:embed="rId3"/>
+          <a:stretch>
+            <a:fillRect/>
+          </a:stretch>
+        </p:blipFill>
+        <p:spPr>
+          <a:xfrm>
+            <a:off x="5084561" y="3064149"/>
+            <a:ext cx="6345532" cy="3730351"/>
+          </a:xfrm>
+          <a:prstGeom prst="rect">
+            <a:avLst/>
+          </a:prstGeom>
+        </p:spPr>
+      </p:pic>
+      <p:pic>
+        <p:nvPicPr>
+          <p:cNvPr id="10" name="Picture 9">
+            <a:extLst>
+              <a:ext uri="{FF2B5EF4-FFF2-40B4-BE49-F238E27FC236}">
+                <a16:creationId xmlns:a16="http://schemas.microsoft.com/office/drawing/2014/main" id="{A2DB6CD3-031A-4655-A996-F823CF277BAB}"/>
+              </a:ext>
+            </a:extLst>
+          </p:cNvPr>
+          <p:cNvPicPr>
+            <a:picLocks noChangeAspect="1"/>
+          </p:cNvPicPr>
+          <p:nvPr/>
+        </p:nvPicPr>
+        <p:blipFill>
+          <a:blip r:embed="rId4"/>
+          <a:stretch>
+            <a:fillRect/>
+          </a:stretch>
+        </p:blipFill>
+        <p:spPr>
+          <a:xfrm>
+            <a:off x="355337" y="867707"/>
+            <a:ext cx="4227413" cy="1380659"/>
+          </a:xfrm>
+          <a:prstGeom prst="rect">
+            <a:avLst/>
+          </a:prstGeom>
+        </p:spPr>
+      </p:pic>
     </p:spTree>
     <p:extLst>
       <p:ext uri="{BB962C8B-B14F-4D97-AF65-F5344CB8AC3E}">
@@ -20964,6 +21955,89 @@
   <p:clrMapOvr>
     <a:masterClrMapping/>
   </p:clrMapOvr>
+  <p:timing>
+    <p:tnLst>
+      <p:par>
+        <p:cTn id="1" dur="indefinite" restart="never" nodeType="tmRoot">
+          <p:childTnLst>
+            <p:seq concurrent="1" nextAc="seek">
+              <p:cTn id="2" dur="indefinite" nodeType="mainSeq">
+                <p:childTnLst>
+                  <p:par>
+                    <p:cTn id="3" fill="hold">
+                      <p:stCondLst>
+                        <p:cond delay="indefinite"/>
+                      </p:stCondLst>
+                      <p:childTnLst>
+                        <p:par>
+                          <p:cTn id="4" fill="hold">
+                            <p:stCondLst>
+                              <p:cond delay="0"/>
+                            </p:stCondLst>
+                            <p:childTnLst>
+                              <p:par>
+                                <p:cTn id="5" presetID="10" presetClass="entr" presetSubtype="0" fill="hold" nodeType="clickEffect">
+                                  <p:stCondLst>
+                                    <p:cond delay="0"/>
+                                  </p:stCondLst>
+                                  <p:childTnLst>
+                                    <p:set>
+                                      <p:cBhvr>
+                                        <p:cTn id="6" dur="1" fill="hold">
+                                          <p:stCondLst>
+                                            <p:cond delay="0"/>
+                                          </p:stCondLst>
+                                        </p:cTn>
+                                        <p:tgtEl>
+                                          <p:spTgt spid="5"/>
+                                        </p:tgtEl>
+                                        <p:attrNameLst>
+                                          <p:attrName>style.visibility</p:attrName>
+                                        </p:attrNameLst>
+                                      </p:cBhvr>
+                                      <p:to>
+                                        <p:strVal val="visible"/>
+                                      </p:to>
+                                    </p:set>
+                                    <p:animEffect transition="in" filter="fade">
+                                      <p:cBhvr>
+                                        <p:cTn id="7" dur="500"/>
+                                        <p:tgtEl>
+                                          <p:spTgt spid="5"/>
+                                        </p:tgtEl>
+                                      </p:cBhvr>
+                                    </p:animEffect>
+                                  </p:childTnLst>
+                                </p:cTn>
+                              </p:par>
+                            </p:childTnLst>
+                          </p:cTn>
+                        </p:par>
+                      </p:childTnLst>
+                    </p:cTn>
+                  </p:par>
+                </p:childTnLst>
+              </p:cTn>
+              <p:prevCondLst>
+                <p:cond evt="onPrev" delay="0">
+                  <p:tgtEl>
+                    <p:sldTgt/>
+                  </p:tgtEl>
+                </p:cond>
+              </p:prevCondLst>
+              <p:nextCondLst>
+                <p:cond evt="onNext" delay="0">
+                  <p:tgtEl>
+                    <p:sldTgt/>
+                  </p:tgtEl>
+                </p:cond>
+              </p:nextCondLst>
+            </p:seq>
+          </p:childTnLst>
+        </p:cTn>
+      </p:par>
+    </p:tnLst>
+  </p:timing>
 </p:sld>
 </file>
 
